--- a/report/measuring feature G M.pptx
+++ b/report/measuring feature G M.pptx
@@ -20,6 +20,7 @@
     <p:sldId id="272" r:id="rId14"/>
     <p:sldId id="264" r:id="rId15"/>
     <p:sldId id="266" r:id="rId16"/>
+    <p:sldId id="273" r:id="rId17"/>
   </p:sldIdLst>
   <p:sldSz cx="12192000" cy="6858000"/>
   <p:notesSz cx="6858000" cy="9144000"/>
@@ -275,7 +276,7 @@
           <a:p>
             <a:fld id="{66DD7406-5D9E-4FDF-9ACB-2179CB3CC325}" type="datetimeFigureOut">
               <a:rPr lang="fr-CA" smtClean="0"/>
-              <a:t>2021-10-06</a:t>
+              <a:t>2021-10-12</a:t>
             </a:fld>
             <a:endParaRPr lang="fr-CA"/>
           </a:p>
@@ -475,7 +476,7 @@
           <a:p>
             <a:fld id="{66DD7406-5D9E-4FDF-9ACB-2179CB3CC325}" type="datetimeFigureOut">
               <a:rPr lang="fr-CA" smtClean="0"/>
-              <a:t>2021-10-06</a:t>
+              <a:t>2021-10-12</a:t>
             </a:fld>
             <a:endParaRPr lang="fr-CA"/>
           </a:p>
@@ -685,7 +686,7 @@
           <a:p>
             <a:fld id="{66DD7406-5D9E-4FDF-9ACB-2179CB3CC325}" type="datetimeFigureOut">
               <a:rPr lang="fr-CA" smtClean="0"/>
-              <a:t>2021-10-06</a:t>
+              <a:t>2021-10-12</a:t>
             </a:fld>
             <a:endParaRPr lang="fr-CA"/>
           </a:p>
@@ -885,7 +886,7 @@
           <a:p>
             <a:fld id="{66DD7406-5D9E-4FDF-9ACB-2179CB3CC325}" type="datetimeFigureOut">
               <a:rPr lang="fr-CA" smtClean="0"/>
-              <a:t>2021-10-06</a:t>
+              <a:t>2021-10-12</a:t>
             </a:fld>
             <a:endParaRPr lang="fr-CA"/>
           </a:p>
@@ -1161,7 +1162,7 @@
           <a:p>
             <a:fld id="{66DD7406-5D9E-4FDF-9ACB-2179CB3CC325}" type="datetimeFigureOut">
               <a:rPr lang="fr-CA" smtClean="0"/>
-              <a:t>2021-10-06</a:t>
+              <a:t>2021-10-12</a:t>
             </a:fld>
             <a:endParaRPr lang="fr-CA"/>
           </a:p>
@@ -1429,7 +1430,7 @@
           <a:p>
             <a:fld id="{66DD7406-5D9E-4FDF-9ACB-2179CB3CC325}" type="datetimeFigureOut">
               <a:rPr lang="fr-CA" smtClean="0"/>
-              <a:t>2021-10-06</a:t>
+              <a:t>2021-10-12</a:t>
             </a:fld>
             <a:endParaRPr lang="fr-CA"/>
           </a:p>
@@ -1844,7 +1845,7 @@
           <a:p>
             <a:fld id="{66DD7406-5D9E-4FDF-9ACB-2179CB3CC325}" type="datetimeFigureOut">
               <a:rPr lang="fr-CA" smtClean="0"/>
-              <a:t>2021-10-06</a:t>
+              <a:t>2021-10-12</a:t>
             </a:fld>
             <a:endParaRPr lang="fr-CA"/>
           </a:p>
@@ -1986,7 +1987,7 @@
           <a:p>
             <a:fld id="{66DD7406-5D9E-4FDF-9ACB-2179CB3CC325}" type="datetimeFigureOut">
               <a:rPr lang="fr-CA" smtClean="0"/>
-              <a:t>2021-10-06</a:t>
+              <a:t>2021-10-12</a:t>
             </a:fld>
             <a:endParaRPr lang="fr-CA"/>
           </a:p>
@@ -2099,7 +2100,7 @@
           <a:p>
             <a:fld id="{66DD7406-5D9E-4FDF-9ACB-2179CB3CC325}" type="datetimeFigureOut">
               <a:rPr lang="fr-CA" smtClean="0"/>
-              <a:t>2021-10-06</a:t>
+              <a:t>2021-10-12</a:t>
             </a:fld>
             <a:endParaRPr lang="fr-CA"/>
           </a:p>
@@ -2412,7 +2413,7 @@
           <a:p>
             <a:fld id="{66DD7406-5D9E-4FDF-9ACB-2179CB3CC325}" type="datetimeFigureOut">
               <a:rPr lang="fr-CA" smtClean="0"/>
-              <a:t>2021-10-06</a:t>
+              <a:t>2021-10-12</a:t>
             </a:fld>
             <a:endParaRPr lang="fr-CA"/>
           </a:p>
@@ -2701,7 +2702,7 @@
           <a:p>
             <a:fld id="{66DD7406-5D9E-4FDF-9ACB-2179CB3CC325}" type="datetimeFigureOut">
               <a:rPr lang="fr-CA" smtClean="0"/>
-              <a:t>2021-10-06</a:t>
+              <a:t>2021-10-12</a:t>
             </a:fld>
             <a:endParaRPr lang="fr-CA"/>
           </a:p>
@@ -2944,7 +2945,7 @@
           <a:p>
             <a:fld id="{66DD7406-5D9E-4FDF-9ACB-2179CB3CC325}" type="datetimeFigureOut">
               <a:rPr lang="fr-CA" smtClean="0"/>
-              <a:t>2021-10-06</a:t>
+              <a:t>2021-10-12</a:t>
             </a:fld>
             <a:endParaRPr lang="fr-CA"/>
           </a:p>
@@ -3783,7 +3784,7 @@
         </p:blipFill>
         <p:spPr>
           <a:xfrm>
-            <a:off x="7127920" y="2328117"/>
+            <a:off x="7122483" y="2328116"/>
             <a:ext cx="4848902" cy="2513447"/>
           </a:xfrm>
           <a:prstGeom prst="rect">
@@ -3882,6 +3883,100 @@
               <a:t>Yu et al., 2020) </a:t>
             </a:r>
             <a:endParaRPr lang="zh-CN" altLang="en-US" dirty="0"/>
+          </a:p>
+        </p:txBody>
+      </p:sp>
+      <p:sp>
+        <p:nvSpPr>
+          <p:cNvPr id="4" name="文本框 3">
+            <a:extLst>
+              <a:ext uri="{FF2B5EF4-FFF2-40B4-BE49-F238E27FC236}">
+                <a16:creationId xmlns:a16="http://schemas.microsoft.com/office/drawing/2014/main" id="{5A6BD04F-68D5-482F-B69A-77972E1C8594}"/>
+              </a:ext>
+            </a:extLst>
+          </p:cNvPr>
+          <p:cNvSpPr txBox="1"/>
+          <p:nvPr/>
+        </p:nvSpPr>
+        <p:spPr>
+          <a:xfrm>
+            <a:off x="935484" y="4531828"/>
+            <a:ext cx="5138394" cy="1200329"/>
+          </a:xfrm>
+          <a:prstGeom prst="rect">
+            <a:avLst/>
+          </a:prstGeom>
+          <a:noFill/>
+        </p:spPr>
+        <p:txBody>
+          <a:bodyPr wrap="square" rtlCol="0">
+            <a:spAutoFit/>
+          </a:bodyPr>
+          <a:lstStyle/>
+          <a:p>
+            <a:r>
+              <a:rPr lang="en-US" altLang="zh-CN" sz="2400" dirty="0">
+                <a:solidFill>
+                  <a:srgbClr val="FF0000"/>
+                </a:solidFill>
+              </a:rPr>
+              <a:t>Learn more on this, an alternative</a:t>
+            </a:r>
+          </a:p>
+          <a:p>
+            <a:r>
+              <a:rPr lang="en-US" altLang="zh-CN" sz="1600" b="0" i="0" dirty="0">
+                <a:solidFill>
+                  <a:srgbClr val="222222"/>
+                </a:solidFill>
+                <a:effectLst/>
+                <a:latin typeface="Arial" panose="020B0604020202020204" pitchFamily="34" charset="0"/>
+              </a:rPr>
+              <a:t>Ha, M. L., Franchi, G., Aldea, E., &amp; Blanz, V. (2021). Learning a Discriminant Latent Space with Neural Discriminant Analysis. </a:t>
+            </a:r>
+            <a:r>
+              <a:rPr lang="en-US" altLang="zh-CN" sz="1600" b="0" i="1" dirty="0" err="1">
+                <a:solidFill>
+                  <a:srgbClr val="222222"/>
+                </a:solidFill>
+                <a:effectLst/>
+                <a:latin typeface="Arial" panose="020B0604020202020204" pitchFamily="34" charset="0"/>
+              </a:rPr>
+              <a:t>arXiv</a:t>
+            </a:r>
+            <a:r>
+              <a:rPr lang="en-US" altLang="zh-CN" sz="1600" b="0" i="1" dirty="0">
+                <a:solidFill>
+                  <a:srgbClr val="222222"/>
+                </a:solidFill>
+                <a:effectLst/>
+                <a:latin typeface="Arial" panose="020B0604020202020204" pitchFamily="34" charset="0"/>
+              </a:rPr>
+              <a:t> preprint arXiv:2107.06209</a:t>
+            </a:r>
+            <a:r>
+              <a:rPr lang="en-US" altLang="zh-CN" sz="1600" b="0" i="0" dirty="0">
+                <a:solidFill>
+                  <a:srgbClr val="222222"/>
+                </a:solidFill>
+                <a:effectLst/>
+                <a:latin typeface="Arial" panose="020B0604020202020204" pitchFamily="34" charset="0"/>
+              </a:rPr>
+              <a:t>.</a:t>
+            </a:r>
+            <a:r>
+              <a:rPr lang="en-US" altLang="zh-CN" sz="1600" dirty="0">
+                <a:solidFill>
+                  <a:srgbClr val="FF0000"/>
+                </a:solidFill>
+              </a:rPr>
+              <a:t> </a:t>
+            </a:r>
+            <a:endParaRPr lang="zh-CN" altLang="en-US" sz="1600" dirty="0">
+              <a:solidFill>
+                <a:srgbClr val="FF0000"/>
+              </a:solidFill>
+            </a:endParaRPr>
           </a:p>
         </p:txBody>
       </p:sp>
@@ -3931,7 +4026,12 @@
             <p:ph type="title"/>
           </p:nvPr>
         </p:nvSpPr>
-        <p:spPr/>
+        <p:spPr>
+          <a:xfrm>
+            <a:off x="838200" y="669925"/>
+            <a:ext cx="10515600" cy="1325563"/>
+          </a:xfrm>
+        </p:spPr>
         <p:txBody>
           <a:bodyPr/>
           <a:lstStyle/>
@@ -3962,8 +4062,8 @@
         </p:nvSpPr>
         <p:spPr>
           <a:xfrm>
-            <a:off x="838200" y="1690688"/>
-            <a:ext cx="10515600" cy="4351338"/>
+            <a:off x="838200" y="2290128"/>
+            <a:ext cx="10515600" cy="2820352"/>
           </a:xfrm>
         </p:spPr>
         <p:txBody>
@@ -3995,25 +4095,6 @@
               <a:rPr lang="en-US" altLang="zh-CN" dirty="0"/>
               <a:t>In-class convexity: comparison of distribution after hand-added feature. Visualization.</a:t>
             </a:r>
-          </a:p>
-          <a:p>
-            <a:pPr marL="0" indent="0">
-              <a:buNone/>
-            </a:pPr>
-            <a:r>
-              <a:rPr lang="en-US" altLang="zh-CN" dirty="0"/>
-              <a:t>2 Test the effectiveness of generative–based augmentation method</a:t>
-            </a:r>
-          </a:p>
-          <a:p>
-            <a:pPr marL="0" indent="0">
-              <a:buNone/>
-            </a:pPr>
-            <a:r>
-              <a:rPr lang="en-US" altLang="zh-CN" dirty="0"/>
-              <a:t>3 A overall test on various generative method and latent space techniques to guide the selection of GANs in data augmentation. </a:t>
-            </a:r>
-            <a:endParaRPr lang="zh-CN" altLang="en-US" dirty="0"/>
           </a:p>
         </p:txBody>
       </p:sp>
@@ -4606,6 +4687,248 @@
 </p:sld>
 </file>
 
+<file path=ppt/slides/slide16.xml><?xml version="1.0" encoding="utf-8"?>
+<p:sld xmlns:a="http://schemas.openxmlformats.org/drawingml/2006/main" xmlns:r="http://schemas.openxmlformats.org/officeDocument/2006/relationships" xmlns:p="http://schemas.openxmlformats.org/presentationml/2006/main">
+  <p:cSld>
+    <p:spTree>
+      <p:nvGrpSpPr>
+        <p:cNvPr id="1" name=""/>
+        <p:cNvGrpSpPr/>
+        <p:nvPr/>
+      </p:nvGrpSpPr>
+      <p:grpSpPr>
+        <a:xfrm>
+          <a:off x="0" y="0"/>
+          <a:ext cx="0" cy="0"/>
+          <a:chOff x="0" y="0"/>
+          <a:chExt cx="0" cy="0"/>
+        </a:xfrm>
+      </p:grpSpPr>
+      <p:sp>
+        <p:nvSpPr>
+          <p:cNvPr id="2" name="标题 1">
+            <a:extLst>
+              <a:ext uri="{FF2B5EF4-FFF2-40B4-BE49-F238E27FC236}">
+                <a16:creationId xmlns:a16="http://schemas.microsoft.com/office/drawing/2014/main" id="{701BF235-F741-4F39-AAF2-4F02587AAC76}"/>
+              </a:ext>
+            </a:extLst>
+          </p:cNvPr>
+          <p:cNvSpPr>
+            <a:spLocks noGrp="1"/>
+          </p:cNvSpPr>
+          <p:nvPr>
+            <p:ph type="title"/>
+          </p:nvPr>
+        </p:nvSpPr>
+        <p:spPr>
+          <a:xfrm>
+            <a:off x="838200" y="223723"/>
+            <a:ext cx="10515600" cy="1325563"/>
+          </a:xfrm>
+        </p:spPr>
+        <p:txBody>
+          <a:bodyPr/>
+          <a:lstStyle/>
+          <a:p>
+            <a:r>
+              <a:rPr lang="en-US" altLang="zh-CN" dirty="0"/>
+              <a:t>Questions</a:t>
+            </a:r>
+            <a:endParaRPr lang="zh-CN" altLang="en-US" dirty="0"/>
+          </a:p>
+        </p:txBody>
+      </p:sp>
+      <p:sp>
+        <p:nvSpPr>
+          <p:cNvPr id="3" name="内容占位符 2">
+            <a:extLst>
+              <a:ext uri="{FF2B5EF4-FFF2-40B4-BE49-F238E27FC236}">
+                <a16:creationId xmlns:a16="http://schemas.microsoft.com/office/drawing/2014/main" id="{8EB6F4D9-C2BF-49ED-BEEF-2A10AE621911}"/>
+              </a:ext>
+            </a:extLst>
+          </p:cNvPr>
+          <p:cNvSpPr>
+            <a:spLocks noGrp="1"/>
+          </p:cNvSpPr>
+          <p:nvPr>
+            <p:ph idx="1"/>
+          </p:nvPr>
+        </p:nvSpPr>
+        <p:spPr>
+          <a:xfrm>
+            <a:off x="838200" y="1429698"/>
+            <a:ext cx="10515600" cy="3745617"/>
+          </a:xfrm>
+        </p:spPr>
+        <p:txBody>
+          <a:bodyPr/>
+          <a:lstStyle/>
+          <a:p>
+            <a:r>
+              <a:rPr lang="en-US" altLang="zh-CN" dirty="0"/>
+              <a:t>What is the advantage of generative models in data augmentation?</a:t>
+            </a:r>
+            <a:r>
+              <a:rPr lang="zh-CN" altLang="en-US" dirty="0"/>
+              <a:t> </a:t>
+            </a:r>
+            <a:r>
+              <a:rPr lang="en-US" altLang="zh-CN" dirty="0"/>
+              <a:t>Especially</a:t>
+            </a:r>
+            <a:r>
+              <a:rPr lang="zh-CN" altLang="en-US" dirty="0"/>
+              <a:t> </a:t>
+            </a:r>
+            <a:r>
+              <a:rPr lang="en-US" altLang="zh-CN" dirty="0"/>
+              <a:t>compared</a:t>
+            </a:r>
+            <a:r>
+              <a:rPr lang="zh-CN" altLang="en-US" dirty="0"/>
+              <a:t> </a:t>
+            </a:r>
+            <a:r>
+              <a:rPr lang="en-US" altLang="zh-CN" dirty="0"/>
+              <a:t>to various mixing techniques? </a:t>
+            </a:r>
+            <a:r>
+              <a:rPr lang="en-US" altLang="zh-CN" b="1" dirty="0"/>
+              <a:t>Mixed Sample Data Augmentation?</a:t>
+            </a:r>
+            <a:r>
+              <a:rPr lang="en-US" altLang="zh-CN" b="0" i="0" dirty="0">
+                <a:solidFill>
+                  <a:srgbClr val="222222"/>
+                </a:solidFill>
+                <a:effectLst/>
+                <a:latin typeface="Arial" panose="020B0604020202020204" pitchFamily="34" charset="0"/>
+              </a:rPr>
+              <a:t> </a:t>
+            </a:r>
+            <a:r>
+              <a:rPr lang="en-US" altLang="zh-CN" sz="2000" b="0" i="0" dirty="0">
+                <a:solidFill>
+                  <a:srgbClr val="222222"/>
+                </a:solidFill>
+                <a:effectLst/>
+                <a:latin typeface="Arial" panose="020B0604020202020204" pitchFamily="34" charset="0"/>
+              </a:rPr>
+              <a:t>Harris, E., </a:t>
+            </a:r>
+            <a:r>
+              <a:rPr lang="en-US" altLang="zh-CN" sz="2000" b="0" i="0" dirty="0" err="1">
+                <a:solidFill>
+                  <a:srgbClr val="222222"/>
+                </a:solidFill>
+                <a:effectLst/>
+                <a:latin typeface="Arial" panose="020B0604020202020204" pitchFamily="34" charset="0"/>
+              </a:rPr>
+              <a:t>Marcu</a:t>
+            </a:r>
+            <a:r>
+              <a:rPr lang="en-US" altLang="zh-CN" sz="2000" b="0" i="0" dirty="0">
+                <a:solidFill>
+                  <a:srgbClr val="222222"/>
+                </a:solidFill>
+                <a:effectLst/>
+                <a:latin typeface="Arial" panose="020B0604020202020204" pitchFamily="34" charset="0"/>
+              </a:rPr>
+              <a:t>, A., Painter, M., Niranjan, M., </a:t>
+            </a:r>
+            <a:r>
+              <a:rPr lang="en-US" altLang="zh-CN" sz="2000" b="0" i="0" dirty="0" err="1">
+                <a:solidFill>
+                  <a:srgbClr val="222222"/>
+                </a:solidFill>
+                <a:effectLst/>
+                <a:latin typeface="Arial" panose="020B0604020202020204" pitchFamily="34" charset="0"/>
+              </a:rPr>
+              <a:t>Prügel</a:t>
+            </a:r>
+            <a:r>
+              <a:rPr lang="en-US" altLang="zh-CN" sz="2000" b="0" i="0" dirty="0">
+                <a:solidFill>
+                  <a:srgbClr val="222222"/>
+                </a:solidFill>
+                <a:effectLst/>
+                <a:latin typeface="Arial" panose="020B0604020202020204" pitchFamily="34" charset="0"/>
+              </a:rPr>
+              <a:t>-Bennett, A., &amp; Hare, J. (2020). </a:t>
+            </a:r>
+            <a:r>
+              <a:rPr lang="en-US" altLang="zh-CN" sz="2000" b="0" i="0" dirty="0" err="1">
+                <a:solidFill>
+                  <a:srgbClr val="222222"/>
+                </a:solidFill>
+                <a:effectLst/>
+                <a:latin typeface="Arial" panose="020B0604020202020204" pitchFamily="34" charset="0"/>
+              </a:rPr>
+              <a:t>Fmix</a:t>
+            </a:r>
+            <a:r>
+              <a:rPr lang="en-US" altLang="zh-CN" sz="2000" b="0" i="0" dirty="0">
+                <a:solidFill>
+                  <a:srgbClr val="222222"/>
+                </a:solidFill>
+                <a:effectLst/>
+                <a:latin typeface="Arial" panose="020B0604020202020204" pitchFamily="34" charset="0"/>
+              </a:rPr>
+              <a:t>: Enhancing mixed sample data augmentation. </a:t>
+            </a:r>
+            <a:r>
+              <a:rPr lang="en-US" altLang="zh-CN" sz="2000" b="0" i="1" dirty="0" err="1">
+                <a:solidFill>
+                  <a:srgbClr val="222222"/>
+                </a:solidFill>
+                <a:effectLst/>
+                <a:latin typeface="Arial" panose="020B0604020202020204" pitchFamily="34" charset="0"/>
+              </a:rPr>
+              <a:t>arXiv</a:t>
+            </a:r>
+            <a:r>
+              <a:rPr lang="en-US" altLang="zh-CN" sz="2000" b="0" i="1" dirty="0">
+                <a:solidFill>
+                  <a:srgbClr val="222222"/>
+                </a:solidFill>
+                <a:effectLst/>
+                <a:latin typeface="Arial" panose="020B0604020202020204" pitchFamily="34" charset="0"/>
+              </a:rPr>
+              <a:t> preprint arXiv:2002.12047</a:t>
+            </a:r>
+            <a:r>
+              <a:rPr lang="en-US" altLang="zh-CN" sz="2000" b="0" i="0" dirty="0">
+                <a:solidFill>
+                  <a:srgbClr val="222222"/>
+                </a:solidFill>
+                <a:effectLst/>
+                <a:latin typeface="Arial" panose="020B0604020202020204" pitchFamily="34" charset="0"/>
+              </a:rPr>
+              <a:t>.</a:t>
+            </a:r>
+            <a:endParaRPr lang="en-US" altLang="zh-CN" sz="2000" b="1" dirty="0"/>
+          </a:p>
+          <a:p>
+            <a:r>
+              <a:rPr lang="en-US" altLang="zh-CN" dirty="0"/>
+              <a:t>What is the goal of the data augmentation, for classification? For domain adaptation? Why not evaluate with the performance on the task? What is the advantage of the proposed evaluation method.</a:t>
+            </a:r>
+          </a:p>
+        </p:txBody>
+      </p:sp>
+    </p:spTree>
+    <p:extLst>
+      <p:ext uri="{BB962C8B-B14F-4D97-AF65-F5344CB8AC3E}">
+        <p14:creationId xmlns:p14="http://schemas.microsoft.com/office/powerpoint/2010/main" val="2867056982"/>
+      </p:ext>
+    </p:extLst>
+  </p:cSld>
+  <p:clrMapOvr>
+    <a:masterClrMapping/>
+  </p:clrMapOvr>
+</p:sld>
+</file>
+
 <file path=ppt/slides/slide2.xml><?xml version="1.0" encoding="utf-8"?>
 <p:sld xmlns:a="http://schemas.openxmlformats.org/drawingml/2006/main" xmlns:r="http://schemas.openxmlformats.org/officeDocument/2006/relationships" xmlns:p="http://schemas.openxmlformats.org/presentationml/2006/main">
   <p:cSld>
@@ -5883,8 +6206,8 @@
           </a:p>
         </p:txBody>
       </p:sp>
-      <mc:AlternateContent xmlns:mc="http://schemas.openxmlformats.org/markup-compatibility/2006">
-        <mc:Choice xmlns:a14="http://schemas.microsoft.com/office/drawing/2010/main" Requires="a14">
+      <mc:AlternateContent xmlns:mc="http://schemas.openxmlformats.org/markup-compatibility/2006" xmlns:a14="http://schemas.microsoft.com/office/drawing/2010/main">
+        <mc:Choice Requires="a14">
           <p:sp>
             <p:nvSpPr>
               <p:cNvPr id="6" name="文本框 5">
@@ -5929,14 +6252,14 @@
                       <m:sSupPr>
                         <m:ctrlPr>
                           <a:rPr lang="en-US" altLang="zh-CN" b="0" i="1" smtClean="0">
-                            <a:latin typeface="+mj-lt"/>
+                            <a:latin typeface="Cambria Math" panose="02040503050406030204" pitchFamily="18" charset="0"/>
                           </a:rPr>
                         </m:ctrlPr>
                       </m:sSupPr>
                       <m:e>
                         <m:r>
                           <a:rPr lang="en-US" altLang="zh-CN" b="0" i="1" smtClean="0">
-                            <a:latin typeface="+mj-lt"/>
+                            <a:latin typeface="Cambria Math" panose="02040503050406030204" pitchFamily="18" charset="0"/>
                           </a:rPr>
                           <m:t>𝑅</m:t>
                         </m:r>
@@ -5944,13 +6267,13 @@
                       <m:sup>
                         <m:r>
                           <a:rPr lang="en-US" altLang="zh-CN" b="0" i="1" smtClean="0">
-                            <a:latin typeface="+mj-lt"/>
+                            <a:latin typeface="Cambria Math" panose="02040503050406030204" pitchFamily="18" charset="0"/>
                           </a:rPr>
                           <m:t>28</m:t>
                         </m:r>
                         <m:r>
                           <a:rPr lang="en-US" altLang="zh-CN" i="1">
-                            <a:latin typeface="+mj-lt"/>
+                            <a:latin typeface="Cambria Math" panose="02040503050406030204" pitchFamily="18" charset="0"/>
                           </a:rPr>
                           <m:t>∗28</m:t>
                         </m:r>
@@ -5992,7 +6315,7 @@
             </p:txBody>
           </p:sp>
         </mc:Choice>
-        <mc:Fallback>
+        <mc:Fallback xmlns="">
           <p:sp>
             <p:nvSpPr>
               <p:cNvPr id="6" name="文本框 5">
@@ -6077,6 +6400,50 @@
           </a:p>
         </p:txBody>
       </p:sp>
+      <p:sp>
+        <p:nvSpPr>
+          <p:cNvPr id="3" name="文本框 2">
+            <a:extLst>
+              <a:ext uri="{FF2B5EF4-FFF2-40B4-BE49-F238E27FC236}">
+                <a16:creationId xmlns:a16="http://schemas.microsoft.com/office/drawing/2014/main" id="{BBA974CA-37B9-4958-9340-27866C7913BB}"/>
+              </a:ext>
+            </a:extLst>
+          </p:cNvPr>
+          <p:cNvSpPr txBox="1"/>
+          <p:nvPr/>
+        </p:nvSpPr>
+        <p:spPr>
+          <a:xfrm>
+            <a:off x="6944048" y="4652730"/>
+            <a:ext cx="3580267" cy="461665"/>
+          </a:xfrm>
+          <a:prstGeom prst="rect">
+            <a:avLst/>
+          </a:prstGeom>
+          <a:noFill/>
+        </p:spPr>
+        <p:txBody>
+          <a:bodyPr wrap="square" rtlCol="0">
+            <a:spAutoFit/>
+          </a:bodyPr>
+          <a:lstStyle/>
+          <a:p>
+            <a:r>
+              <a:rPr lang="en-US" altLang="zh-CN" sz="2400" dirty="0">
+                <a:solidFill>
+                  <a:srgbClr val="FF0000"/>
+                </a:solidFill>
+              </a:rPr>
+              <a:t>People can cheat on this! </a:t>
+            </a:r>
+            <a:endParaRPr lang="zh-CN" altLang="en-US" sz="2400" dirty="0">
+              <a:solidFill>
+                <a:srgbClr val="FF0000"/>
+              </a:solidFill>
+            </a:endParaRPr>
+          </a:p>
+        </p:txBody>
+      </p:sp>
     </p:spTree>
     <p:extLst>
       <p:ext uri="{BB962C8B-B14F-4D97-AF65-F5344CB8AC3E}">
@@ -6491,7 +6858,7 @@
         </p:nvSpPr>
         <p:spPr>
           <a:xfrm>
-            <a:off x="6964819" y="5460326"/>
+            <a:off x="6870551" y="5460326"/>
             <a:ext cx="3528586" cy="369332"/>
           </a:xfrm>
           <a:prstGeom prst="rect">
